--- a/for_win/Codination for window.pptx
+++ b/for_win/Codination for window.pptx
@@ -7,11 +7,12 @@
   <p:sldIdLst>
     <p:sldId id="256" r:id="rId2"/>
     <p:sldId id="261" r:id="rId3"/>
-    <p:sldId id="257" r:id="rId4"/>
-    <p:sldId id="260" r:id="rId5"/>
-    <p:sldId id="262" r:id="rId6"/>
-    <p:sldId id="263" r:id="rId7"/>
-    <p:sldId id="264" r:id="rId8"/>
+    <p:sldId id="265" r:id="rId4"/>
+    <p:sldId id="257" r:id="rId5"/>
+    <p:sldId id="260" r:id="rId6"/>
+    <p:sldId id="262" r:id="rId7"/>
+    <p:sldId id="263" r:id="rId8"/>
+    <p:sldId id="264" r:id="rId9"/>
   </p:sldIdLst>
   <p:sldSz cx="12192000" cy="6858000"/>
   <p:notesSz cx="6858000" cy="9144000"/>
@@ -110,6 +111,11 @@
       </a:defRPr>
     </a:lvl9pPr>
   </p:defaultTextStyle>
+  <p:extLst>
+    <p:ext uri="{EFAFB233-063F-42B5-8137-9DF3F51BA10A}">
+      <p15:sldGuideLst xmlns:p15="http://schemas.microsoft.com/office/powerpoint/2012/main"/>
+    </p:ext>
+  </p:extLst>
 </p:presentation>
 </file>
 
@@ -244,7 +250,7 @@
           <a:p>
             <a:fld id="{9942913F-5692-4FBC-97AC-6584875B41A0}" type="datetimeFigureOut">
               <a:rPr lang="ko-KR" altLang="en-US" smtClean="0"/>
-              <a:t>2016-08-31</a:t>
+              <a:t>2016-09-01</a:t>
             </a:fld>
             <a:endParaRPr lang="ko-KR" altLang="en-US"/>
           </a:p>
@@ -414,7 +420,7 @@
           <a:p>
             <a:fld id="{9942913F-5692-4FBC-97AC-6584875B41A0}" type="datetimeFigureOut">
               <a:rPr lang="ko-KR" altLang="en-US" smtClean="0"/>
-              <a:t>2016-08-31</a:t>
+              <a:t>2016-09-01</a:t>
             </a:fld>
             <a:endParaRPr lang="ko-KR" altLang="en-US"/>
           </a:p>
@@ -594,7 +600,7 @@
           <a:p>
             <a:fld id="{9942913F-5692-4FBC-97AC-6584875B41A0}" type="datetimeFigureOut">
               <a:rPr lang="ko-KR" altLang="en-US" smtClean="0"/>
-              <a:t>2016-08-31</a:t>
+              <a:t>2016-09-01</a:t>
             </a:fld>
             <a:endParaRPr lang="ko-KR" altLang="en-US"/>
           </a:p>
@@ -764,7 +770,7 @@
           <a:p>
             <a:fld id="{9942913F-5692-4FBC-97AC-6584875B41A0}" type="datetimeFigureOut">
               <a:rPr lang="ko-KR" altLang="en-US" smtClean="0"/>
-              <a:t>2016-08-31</a:t>
+              <a:t>2016-09-01</a:t>
             </a:fld>
             <a:endParaRPr lang="ko-KR" altLang="en-US"/>
           </a:p>
@@ -1010,7 +1016,7 @@
           <a:p>
             <a:fld id="{9942913F-5692-4FBC-97AC-6584875B41A0}" type="datetimeFigureOut">
               <a:rPr lang="ko-KR" altLang="en-US" smtClean="0"/>
-              <a:t>2016-08-31</a:t>
+              <a:t>2016-09-01</a:t>
             </a:fld>
             <a:endParaRPr lang="ko-KR" altLang="en-US"/>
           </a:p>
@@ -1242,7 +1248,7 @@
           <a:p>
             <a:fld id="{9942913F-5692-4FBC-97AC-6584875B41A0}" type="datetimeFigureOut">
               <a:rPr lang="ko-KR" altLang="en-US" smtClean="0"/>
-              <a:t>2016-08-31</a:t>
+              <a:t>2016-09-01</a:t>
             </a:fld>
             <a:endParaRPr lang="ko-KR" altLang="en-US"/>
           </a:p>
@@ -1609,7 +1615,7 @@
           <a:p>
             <a:fld id="{9942913F-5692-4FBC-97AC-6584875B41A0}" type="datetimeFigureOut">
               <a:rPr lang="ko-KR" altLang="en-US" smtClean="0"/>
-              <a:t>2016-08-31</a:t>
+              <a:t>2016-09-01</a:t>
             </a:fld>
             <a:endParaRPr lang="ko-KR" altLang="en-US"/>
           </a:p>
@@ -1727,7 +1733,7 @@
           <a:p>
             <a:fld id="{9942913F-5692-4FBC-97AC-6584875B41A0}" type="datetimeFigureOut">
               <a:rPr lang="ko-KR" altLang="en-US" smtClean="0"/>
-              <a:t>2016-08-31</a:t>
+              <a:t>2016-09-01</a:t>
             </a:fld>
             <a:endParaRPr lang="ko-KR" altLang="en-US"/>
           </a:p>
@@ -1822,7 +1828,7 @@
           <a:p>
             <a:fld id="{9942913F-5692-4FBC-97AC-6584875B41A0}" type="datetimeFigureOut">
               <a:rPr lang="ko-KR" altLang="en-US" smtClean="0"/>
-              <a:t>2016-08-31</a:t>
+              <a:t>2016-09-01</a:t>
             </a:fld>
             <a:endParaRPr lang="ko-KR" altLang="en-US"/>
           </a:p>
@@ -2099,7 +2105,7 @@
           <a:p>
             <a:fld id="{9942913F-5692-4FBC-97AC-6584875B41A0}" type="datetimeFigureOut">
               <a:rPr lang="ko-KR" altLang="en-US" smtClean="0"/>
-              <a:t>2016-08-31</a:t>
+              <a:t>2016-09-01</a:t>
             </a:fld>
             <a:endParaRPr lang="ko-KR" altLang="en-US"/>
           </a:p>
@@ -2352,7 +2358,7 @@
           <a:p>
             <a:fld id="{9942913F-5692-4FBC-97AC-6584875B41A0}" type="datetimeFigureOut">
               <a:rPr lang="ko-KR" altLang="en-US" smtClean="0"/>
-              <a:t>2016-08-31</a:t>
+              <a:t>2016-09-01</a:t>
             </a:fld>
             <a:endParaRPr lang="ko-KR" altLang="en-US"/>
           </a:p>
@@ -2565,7 +2571,7 @@
           <a:p>
             <a:fld id="{9942913F-5692-4FBC-97AC-6584875B41A0}" type="datetimeFigureOut">
               <a:rPr lang="ko-KR" altLang="en-US" smtClean="0"/>
-              <a:t>2016-08-31</a:t>
+              <a:t>2016-09-01</a:t>
             </a:fld>
             <a:endParaRPr lang="ko-KR" altLang="en-US"/>
           </a:p>
@@ -3212,6 +3218,442 @@
         </p:nvSpPr>
         <p:spPr/>
         <p:txBody>
+          <a:bodyPr/>
+          <a:lstStyle/>
+          <a:p>
+            <a:endParaRPr lang="ko-KR" altLang="en-US"/>
+          </a:p>
+        </p:txBody>
+      </p:sp>
+      <p:pic>
+        <p:nvPicPr>
+          <p:cNvPr id="4" name="내용 개체 틀 3"/>
+          <p:cNvPicPr>
+            <a:picLocks noGrp="1" noChangeAspect="1"/>
+          </p:cNvPicPr>
+          <p:nvPr>
+            <p:ph idx="1"/>
+          </p:nvPr>
+        </p:nvPicPr>
+        <p:blipFill>
+          <a:blip r:embed="rId2" cstate="print">
+            <a:extLst>
+              <a:ext uri="{28A0092B-C50C-407E-A947-70E740481C1C}">
+                <a14:useLocalDpi xmlns:a14="http://schemas.microsoft.com/office/drawing/2010/main" val="0"/>
+              </a:ext>
+            </a:extLst>
+          </a:blip>
+          <a:stretch>
+            <a:fillRect/>
+          </a:stretch>
+        </p:blipFill>
+        <p:spPr>
+          <a:xfrm>
+            <a:off x="0" y="0"/>
+            <a:ext cx="12192000" cy="6858000"/>
+          </a:xfrm>
+        </p:spPr>
+      </p:pic>
+      <p:sp>
+        <p:nvSpPr>
+          <p:cNvPr id="5" name="직사각형 4"/>
+          <p:cNvSpPr/>
+          <p:nvPr/>
+        </p:nvSpPr>
+        <p:spPr>
+          <a:xfrm>
+            <a:off x="202223" y="958362"/>
+            <a:ext cx="5635869" cy="123092"/>
+          </a:xfrm>
+          <a:prstGeom prst="rect">
+            <a:avLst/>
+          </a:prstGeom>
+          <a:solidFill>
+            <a:srgbClr val="FFFF00">
+              <a:alpha val="30000"/>
+            </a:srgbClr>
+          </a:solidFill>
+          <a:ln>
+            <a:noFill/>
+          </a:ln>
+        </p:spPr>
+        <p:style>
+          <a:lnRef idx="2">
+            <a:schemeClr val="accent1">
+              <a:shade val="50000"/>
+            </a:schemeClr>
+          </a:lnRef>
+          <a:fillRef idx="1">
+            <a:schemeClr val="accent1"/>
+          </a:fillRef>
+          <a:effectRef idx="0">
+            <a:schemeClr val="accent1"/>
+          </a:effectRef>
+          <a:fontRef idx="minor">
+            <a:schemeClr val="lt1"/>
+          </a:fontRef>
+        </p:style>
+        <p:txBody>
+          <a:bodyPr rtlCol="0" anchor="ctr"/>
+          <a:lstStyle/>
+          <a:p>
+            <a:pPr algn="ctr"/>
+            <a:endParaRPr lang="ko-KR" altLang="en-US">
+              <a:solidFill>
+                <a:srgbClr val="FFFF00"/>
+              </a:solidFill>
+            </a:endParaRPr>
+          </a:p>
+        </p:txBody>
+      </p:sp>
+      <p:sp>
+        <p:nvSpPr>
+          <p:cNvPr id="6" name="직사각형 5"/>
+          <p:cNvSpPr/>
+          <p:nvPr/>
+        </p:nvSpPr>
+        <p:spPr>
+          <a:xfrm>
+            <a:off x="202223" y="1081453"/>
+            <a:ext cx="551403" cy="134397"/>
+          </a:xfrm>
+          <a:prstGeom prst="rect">
+            <a:avLst/>
+          </a:prstGeom>
+          <a:solidFill>
+            <a:srgbClr val="FFFF00">
+              <a:alpha val="30000"/>
+            </a:srgbClr>
+          </a:solidFill>
+          <a:ln>
+            <a:noFill/>
+          </a:ln>
+        </p:spPr>
+        <p:style>
+          <a:lnRef idx="2">
+            <a:schemeClr val="accent1">
+              <a:shade val="50000"/>
+            </a:schemeClr>
+          </a:lnRef>
+          <a:fillRef idx="1">
+            <a:schemeClr val="accent1"/>
+          </a:fillRef>
+          <a:effectRef idx="0">
+            <a:schemeClr val="accent1"/>
+          </a:effectRef>
+          <a:fontRef idx="minor">
+            <a:schemeClr val="lt1"/>
+          </a:fontRef>
+        </p:style>
+        <p:txBody>
+          <a:bodyPr rtlCol="0" anchor="ctr"/>
+          <a:lstStyle/>
+          <a:p>
+            <a:pPr algn="ctr"/>
+            <a:endParaRPr lang="ko-KR" altLang="en-US">
+              <a:solidFill>
+                <a:srgbClr val="FFFF00"/>
+              </a:solidFill>
+            </a:endParaRPr>
+          </a:p>
+        </p:txBody>
+      </p:sp>
+      <p:sp>
+        <p:nvSpPr>
+          <p:cNvPr id="7" name="직사각형 6"/>
+          <p:cNvSpPr/>
+          <p:nvPr/>
+        </p:nvSpPr>
+        <p:spPr>
+          <a:xfrm>
+            <a:off x="202222" y="813917"/>
+            <a:ext cx="4168811" cy="134395"/>
+          </a:xfrm>
+          <a:prstGeom prst="rect">
+            <a:avLst/>
+          </a:prstGeom>
+          <a:solidFill>
+            <a:srgbClr val="FFFF00">
+              <a:alpha val="30000"/>
+            </a:srgbClr>
+          </a:solidFill>
+          <a:ln>
+            <a:noFill/>
+          </a:ln>
+        </p:spPr>
+        <p:style>
+          <a:lnRef idx="2">
+            <a:schemeClr val="accent1">
+              <a:shade val="50000"/>
+            </a:schemeClr>
+          </a:lnRef>
+          <a:fillRef idx="1">
+            <a:schemeClr val="accent1"/>
+          </a:fillRef>
+          <a:effectRef idx="0">
+            <a:schemeClr val="accent1"/>
+          </a:effectRef>
+          <a:fontRef idx="minor">
+            <a:schemeClr val="lt1"/>
+          </a:fontRef>
+        </p:style>
+        <p:txBody>
+          <a:bodyPr rtlCol="0" anchor="ctr"/>
+          <a:lstStyle/>
+          <a:p>
+            <a:pPr algn="ctr"/>
+            <a:endParaRPr lang="ko-KR" altLang="en-US">
+              <a:solidFill>
+                <a:srgbClr val="FFFF00"/>
+              </a:solidFill>
+            </a:endParaRPr>
+          </a:p>
+        </p:txBody>
+      </p:sp>
+      <p:sp>
+        <p:nvSpPr>
+          <p:cNvPr id="8" name="직사각형 7"/>
+          <p:cNvSpPr/>
+          <p:nvPr/>
+        </p:nvSpPr>
+        <p:spPr>
+          <a:xfrm>
+            <a:off x="246603" y="1251673"/>
+            <a:ext cx="5591489" cy="677611"/>
+          </a:xfrm>
+          <a:prstGeom prst="rect">
+            <a:avLst/>
+          </a:prstGeom>
+          <a:solidFill>
+            <a:srgbClr val="00B050">
+              <a:alpha val="30000"/>
+            </a:srgbClr>
+          </a:solidFill>
+          <a:ln>
+            <a:noFill/>
+          </a:ln>
+        </p:spPr>
+        <p:style>
+          <a:lnRef idx="2">
+            <a:schemeClr val="accent1">
+              <a:shade val="50000"/>
+            </a:schemeClr>
+          </a:lnRef>
+          <a:fillRef idx="1">
+            <a:schemeClr val="accent1"/>
+          </a:fillRef>
+          <a:effectRef idx="0">
+            <a:schemeClr val="accent1"/>
+          </a:effectRef>
+          <a:fontRef idx="minor">
+            <a:schemeClr val="lt1"/>
+          </a:fontRef>
+        </p:style>
+        <p:txBody>
+          <a:bodyPr rtlCol="0" anchor="ctr"/>
+          <a:lstStyle/>
+          <a:p>
+            <a:pPr algn="ctr"/>
+            <a:endParaRPr lang="ko-KR" altLang="en-US">
+              <a:solidFill>
+                <a:srgbClr val="FFFF00"/>
+              </a:solidFill>
+            </a:endParaRPr>
+          </a:p>
+        </p:txBody>
+      </p:sp>
+      <p:sp>
+        <p:nvSpPr>
+          <p:cNvPr id="9" name="직사각형 8"/>
+          <p:cNvSpPr/>
+          <p:nvPr/>
+        </p:nvSpPr>
+        <p:spPr>
+          <a:xfrm>
+            <a:off x="6963508" y="1436992"/>
+            <a:ext cx="4428183" cy="803790"/>
+          </a:xfrm>
+          <a:prstGeom prst="rect">
+            <a:avLst/>
+          </a:prstGeom>
+          <a:solidFill>
+            <a:srgbClr val="00B050">
+              <a:alpha val="30000"/>
+            </a:srgbClr>
+          </a:solidFill>
+          <a:ln>
+            <a:noFill/>
+          </a:ln>
+        </p:spPr>
+        <p:style>
+          <a:lnRef idx="2">
+            <a:schemeClr val="accent1">
+              <a:shade val="50000"/>
+            </a:schemeClr>
+          </a:lnRef>
+          <a:fillRef idx="1">
+            <a:schemeClr val="accent1"/>
+          </a:fillRef>
+          <a:effectRef idx="0">
+            <a:schemeClr val="accent1"/>
+          </a:effectRef>
+          <a:fontRef idx="minor">
+            <a:schemeClr val="lt1"/>
+          </a:fontRef>
+        </p:style>
+        <p:txBody>
+          <a:bodyPr rtlCol="0" anchor="ctr"/>
+          <a:lstStyle/>
+          <a:p>
+            <a:pPr algn="ctr"/>
+            <a:endParaRPr lang="ko-KR" altLang="en-US">
+              <a:solidFill>
+                <a:srgbClr val="FFFF00"/>
+              </a:solidFill>
+            </a:endParaRPr>
+          </a:p>
+        </p:txBody>
+      </p:sp>
+      <p:sp>
+        <p:nvSpPr>
+          <p:cNvPr id="10" name="TextBox 9"/>
+          <p:cNvSpPr txBox="1"/>
+          <p:nvPr/>
+        </p:nvSpPr>
+        <p:spPr>
+          <a:xfrm>
+            <a:off x="202222" y="2672862"/>
+            <a:ext cx="5836837" cy="1631216"/>
+          </a:xfrm>
+          <a:prstGeom prst="rect">
+            <a:avLst/>
+          </a:prstGeom>
+          <a:noFill/>
+        </p:spPr>
+        <p:txBody>
+          <a:bodyPr wrap="square" rtlCol="0">
+            <a:spAutoFit/>
+          </a:bodyPr>
+          <a:lstStyle/>
+          <a:p>
+            <a:r>
+              <a:rPr lang="ko-KR" altLang="en-US" sz="2000" dirty="0" smtClean="0"/>
+              <a:t>정규식 코드</a:t>
+            </a:r>
+            <a:r>
+              <a:rPr lang="en-US" altLang="ko-KR" sz="2000" dirty="0" smtClean="0"/>
+              <a:t>:</a:t>
+            </a:r>
+            <a:endParaRPr lang="en-US" altLang="ko-KR" dirty="0" smtClean="0"/>
+          </a:p>
+          <a:p>
+            <a:r>
+              <a:rPr lang="en-US" altLang="ko-KR" sz="1600" dirty="0" err="1" smtClean="0"/>
+              <a:t>var</a:t>
+            </a:r>
+            <a:r>
+              <a:rPr lang="en-US" altLang="ko-KR" sz="1600" dirty="0" smtClean="0"/>
+              <a:t> </a:t>
+            </a:r>
+            <a:r>
+              <a:rPr lang="en-US" altLang="ko-KR" sz="1600" dirty="0" err="1"/>
+              <a:t>code_arr</a:t>
+            </a:r>
+            <a:r>
+              <a:rPr lang="en-US" altLang="ko-KR" sz="1600" dirty="0"/>
+              <a:t> = </a:t>
+            </a:r>
+            <a:r>
+              <a:rPr lang="en-US" altLang="ko-KR" sz="1600" dirty="0" err="1"/>
+              <a:t>document.getElementsByClassName</a:t>
+            </a:r>
+            <a:r>
+              <a:rPr lang="en-US" altLang="ko-KR" sz="1600" dirty="0"/>
+              <a:t>("__</a:t>
+            </a:r>
+            <a:r>
+              <a:rPr lang="en-US" altLang="ko-KR" sz="1600" dirty="0" err="1"/>
+              <a:t>se_code_view</a:t>
+            </a:r>
+            <a:r>
+              <a:rPr lang="en-US" altLang="ko-KR" sz="1600" dirty="0"/>
+              <a:t>");</a:t>
+            </a:r>
+            <a:endParaRPr lang="ko-KR" altLang="en-US" sz="1600" dirty="0"/>
+          </a:p>
+          <a:p>
+            <a:r>
+              <a:rPr lang="en-US" altLang="ko-KR" sz="1600" dirty="0" err="1"/>
+              <a:t>code_arr</a:t>
+            </a:r>
+            <a:r>
+              <a:rPr lang="en-US" altLang="ko-KR" sz="1600" dirty="0"/>
+              <a:t>[0].</a:t>
+            </a:r>
+            <a:r>
+              <a:rPr lang="en-US" altLang="ko-KR" sz="1600" dirty="0" err="1"/>
+              <a:t>innerHTML.replace</a:t>
+            </a:r>
+            <a:r>
+              <a:rPr lang="en-US" altLang="ko-KR" sz="1600" dirty="0"/>
+              <a:t>(/&lt;[\s\S]*?span[\s\S]*?&gt;([\s\S]*?)&lt;\/[\s\S]*?span[\s\S]*?&gt;/g , "$1");</a:t>
+            </a:r>
+            <a:endParaRPr lang="ko-KR" altLang="en-US" sz="1600" dirty="0"/>
+          </a:p>
+          <a:p>
+            <a:endParaRPr lang="ko-KR" altLang="en-US" sz="1600" dirty="0"/>
+          </a:p>
+        </p:txBody>
+      </p:sp>
+    </p:spTree>
+    <p:extLst>
+      <p:ext uri="{BB962C8B-B14F-4D97-AF65-F5344CB8AC3E}">
+        <p14:creationId xmlns:p14="http://schemas.microsoft.com/office/powerpoint/2010/main" val="1885568593"/>
+      </p:ext>
+    </p:extLst>
+  </p:cSld>
+  <p:clrMapOvr>
+    <a:masterClrMapping/>
+  </p:clrMapOvr>
+  <p:timing>
+    <p:tnLst>
+      <p:par>
+        <p:cTn id="1" dur="indefinite" restart="never" nodeType="tmRoot"/>
+      </p:par>
+    </p:tnLst>
+  </p:timing>
+</p:sld>
+</file>
+
+<file path=ppt/slides/slide4.xml><?xml version="1.0" encoding="utf-8"?>
+<p:sld xmlns:a="http://schemas.openxmlformats.org/drawingml/2006/main" xmlns:r="http://schemas.openxmlformats.org/officeDocument/2006/relationships" xmlns:p="http://schemas.openxmlformats.org/presentationml/2006/main">
+  <p:cSld>
+    <p:spTree>
+      <p:nvGrpSpPr>
+        <p:cNvPr id="1" name=""/>
+        <p:cNvGrpSpPr/>
+        <p:nvPr/>
+      </p:nvGrpSpPr>
+      <p:grpSpPr>
+        <a:xfrm>
+          <a:off x="0" y="0"/>
+          <a:ext cx="0" cy="0"/>
+          <a:chOff x="0" y="0"/>
+          <a:chExt cx="0" cy="0"/>
+        </a:xfrm>
+      </p:grpSpPr>
+      <p:sp>
+        <p:nvSpPr>
+          <p:cNvPr id="2" name="제목 1"/>
+          <p:cNvSpPr>
+            <a:spLocks noGrp="1"/>
+          </p:cNvSpPr>
+          <p:nvPr>
+            <p:ph type="title"/>
+          </p:nvPr>
+        </p:nvSpPr>
+        <p:spPr/>
+        <p:txBody>
           <a:bodyPr>
             <a:normAutofit fontScale="90000"/>
           </a:bodyPr>
@@ -3845,7 +4287,7 @@
 </p:sld>
 </file>
 
-<file path=ppt/slides/slide4.xml><?xml version="1.0" encoding="utf-8"?>
+<file path=ppt/slides/slide5.xml><?xml version="1.0" encoding="utf-8"?>
 <p:sld xmlns:a="http://schemas.openxmlformats.org/drawingml/2006/main" xmlns:r="http://schemas.openxmlformats.org/officeDocument/2006/relationships" xmlns:p="http://schemas.openxmlformats.org/presentationml/2006/main">
   <p:cSld>
     <p:spTree>
@@ -4227,623 +4669,6 @@
     <p:extLst>
       <p:ext uri="{BB962C8B-B14F-4D97-AF65-F5344CB8AC3E}">
         <p14:creationId xmlns:p14="http://schemas.microsoft.com/office/powerpoint/2010/main" val="3179336551"/>
-      </p:ext>
-    </p:extLst>
-  </p:cSld>
-  <p:clrMapOvr>
-    <a:masterClrMapping/>
-  </p:clrMapOvr>
-  <p:timing>
-    <p:tnLst>
-      <p:par>
-        <p:cTn id="1" dur="indefinite" restart="never" nodeType="tmRoot">
-          <p:childTnLst>
-            <p:seq concurrent="1" nextAc="seek">
-              <p:cTn id="2" dur="indefinite" nodeType="mainSeq">
-                <p:childTnLst>
-                  <p:par>
-                    <p:cTn id="3" fill="hold">
-                      <p:stCondLst>
-                        <p:cond delay="indefinite"/>
-                        <p:cond evt="onBegin" delay="0">
-                          <p:tn val="2"/>
-                        </p:cond>
-                      </p:stCondLst>
-                      <p:childTnLst>
-                        <p:par>
-                          <p:cTn id="4" fill="hold">
-                            <p:stCondLst>
-                              <p:cond delay="0"/>
-                            </p:stCondLst>
-                            <p:childTnLst>
-                              <p:par>
-                                <p:cTn id="5" presetID="24" presetClass="emph" presetSubtype="0" fill="hold" grpId="0" nodeType="afterEffect">
-                                  <p:stCondLst>
-                                    <p:cond delay="0"/>
-                                  </p:stCondLst>
-                                  <p:childTnLst>
-                                    <p:animClr clrSpc="hsl" dir="cw">
-                                      <p:cBhvr override="childStyle">
-                                        <p:cTn id="6" dur="500" fill="hold"/>
-                                        <p:tgtEl>
-                                          <p:spTgt spid="11"/>
-                                        </p:tgtEl>
-                                        <p:attrNameLst>
-                                          <p:attrName>style.color</p:attrName>
-                                        </p:attrNameLst>
-                                      </p:cBhvr>
-                                      <p:by>
-                                        <p:hsl h="0" s="-12549" l="-25098"/>
-                                      </p:by>
-                                    </p:animClr>
-                                    <p:animClr clrSpc="hsl" dir="cw">
-                                      <p:cBhvr>
-                                        <p:cTn id="7" dur="500" fill="hold"/>
-                                        <p:tgtEl>
-                                          <p:spTgt spid="11"/>
-                                        </p:tgtEl>
-                                        <p:attrNameLst>
-                                          <p:attrName>fillcolor</p:attrName>
-                                        </p:attrNameLst>
-                                      </p:cBhvr>
-                                      <p:by>
-                                        <p:hsl h="0" s="-12549" l="-25098"/>
-                                      </p:by>
-                                    </p:animClr>
-                                    <p:animClr clrSpc="hsl" dir="cw">
-                                      <p:cBhvr>
-                                        <p:cTn id="8" dur="500" fill="hold"/>
-                                        <p:tgtEl>
-                                          <p:spTgt spid="11"/>
-                                        </p:tgtEl>
-                                        <p:attrNameLst>
-                                          <p:attrName>stroke.color</p:attrName>
-                                        </p:attrNameLst>
-                                      </p:cBhvr>
-                                      <p:by>
-                                        <p:hsl h="0" s="-12549" l="-25098"/>
-                                      </p:by>
-                                    </p:animClr>
-                                    <p:set>
-                                      <p:cBhvr>
-                                        <p:cTn id="9" dur="500" fill="hold"/>
-                                        <p:tgtEl>
-                                          <p:spTgt spid="11"/>
-                                        </p:tgtEl>
-                                        <p:attrNameLst>
-                                          <p:attrName>fill.type</p:attrName>
-                                        </p:attrNameLst>
-                                      </p:cBhvr>
-                                      <p:to>
-                                        <p:strVal val="solid"/>
-                                      </p:to>
-                                    </p:set>
-                                  </p:childTnLst>
-                                </p:cTn>
-                              </p:par>
-                            </p:childTnLst>
-                          </p:cTn>
-                        </p:par>
-                        <p:par>
-                          <p:cTn id="10" fill="hold">
-                            <p:stCondLst>
-                              <p:cond delay="500"/>
-                            </p:stCondLst>
-                            <p:childTnLst>
-                              <p:par>
-                                <p:cTn id="11" presetID="42" presetClass="path" presetSubtype="0" accel="50000" decel="50000" fill="hold" grpId="1" nodeType="afterEffect">
-                                  <p:stCondLst>
-                                    <p:cond delay="0"/>
-                                  </p:stCondLst>
-                                  <p:childTnLst>
-                                    <p:animMotion origin="layout" path="M -3.33333E-6 4.81481E-6 L -3.33333E-6 0.17893 " pathEditMode="relative" rAng="0" ptsTypes="AA">
-                                      <p:cBhvr>
-                                        <p:cTn id="12" dur="1000" fill="hold"/>
-                                        <p:tgtEl>
-                                          <p:spTgt spid="11"/>
-                                        </p:tgtEl>
-                                        <p:attrNameLst>
-                                          <p:attrName>ppt_x</p:attrName>
-                                          <p:attrName>ppt_y</p:attrName>
-                                        </p:attrNameLst>
-                                      </p:cBhvr>
-                                      <p:rCtr x="0" y="8935"/>
-                                    </p:animMotion>
-                                  </p:childTnLst>
-                                </p:cTn>
-                              </p:par>
-                            </p:childTnLst>
-                          </p:cTn>
-                        </p:par>
-                        <p:par>
-                          <p:cTn id="13" fill="hold">
-                            <p:stCondLst>
-                              <p:cond delay="1500"/>
-                            </p:stCondLst>
-                            <p:childTnLst>
-                              <p:par>
-                                <p:cTn id="14" presetID="30" presetClass="emph" presetSubtype="0" fill="hold" grpId="2" nodeType="afterEffect">
-                                  <p:stCondLst>
-                                    <p:cond delay="0"/>
-                                  </p:stCondLst>
-                                  <p:childTnLst>
-                                    <p:animClr clrSpc="hsl" dir="cw">
-                                      <p:cBhvr override="childStyle">
-                                        <p:cTn id="15" dur="500" fill="hold"/>
-                                        <p:tgtEl>
-                                          <p:spTgt spid="11"/>
-                                        </p:tgtEl>
-                                        <p:attrNameLst>
-                                          <p:attrName>style.color</p:attrName>
-                                        </p:attrNameLst>
-                                      </p:cBhvr>
-                                      <p:by>
-                                        <p:hsl h="0" s="12549" l="25098"/>
-                                      </p:by>
-                                    </p:animClr>
-                                    <p:animClr clrSpc="hsl" dir="cw">
-                                      <p:cBhvr>
-                                        <p:cTn id="16" dur="500" fill="hold"/>
-                                        <p:tgtEl>
-                                          <p:spTgt spid="11"/>
-                                        </p:tgtEl>
-                                        <p:attrNameLst>
-                                          <p:attrName>fillcolor</p:attrName>
-                                        </p:attrNameLst>
-                                      </p:cBhvr>
-                                      <p:by>
-                                        <p:hsl h="0" s="12549" l="25098"/>
-                                      </p:by>
-                                    </p:animClr>
-                                    <p:animClr clrSpc="hsl" dir="cw">
-                                      <p:cBhvr>
-                                        <p:cTn id="17" dur="500" fill="hold"/>
-                                        <p:tgtEl>
-                                          <p:spTgt spid="11"/>
-                                        </p:tgtEl>
-                                        <p:attrNameLst>
-                                          <p:attrName>stroke.color</p:attrName>
-                                        </p:attrNameLst>
-                                      </p:cBhvr>
-                                      <p:by>
-                                        <p:hsl h="0" s="12549" l="25098"/>
-                                      </p:by>
-                                    </p:animClr>
-                                    <p:set>
-                                      <p:cBhvr>
-                                        <p:cTn id="18" dur="500" fill="hold"/>
-                                        <p:tgtEl>
-                                          <p:spTgt spid="11"/>
-                                        </p:tgtEl>
-                                        <p:attrNameLst>
-                                          <p:attrName>fill.type</p:attrName>
-                                        </p:attrNameLst>
-                                      </p:cBhvr>
-                                      <p:to>
-                                        <p:strVal val="solid"/>
-                                      </p:to>
-                                    </p:set>
-                                  </p:childTnLst>
-                                </p:cTn>
-                              </p:par>
-                            </p:childTnLst>
-                          </p:cTn>
-                        </p:par>
-                      </p:childTnLst>
-                    </p:cTn>
-                  </p:par>
-                </p:childTnLst>
-              </p:cTn>
-              <p:prevCondLst>
-                <p:cond evt="onPrev" delay="0">
-                  <p:tgtEl>
-                    <p:sldTgt/>
-                  </p:tgtEl>
-                </p:cond>
-              </p:prevCondLst>
-              <p:nextCondLst>
-                <p:cond evt="onNext" delay="0">
-                  <p:tgtEl>
-                    <p:sldTgt/>
-                  </p:tgtEl>
-                </p:cond>
-              </p:nextCondLst>
-            </p:seq>
-          </p:childTnLst>
-        </p:cTn>
-      </p:par>
-    </p:tnLst>
-    <p:bldLst>
-      <p:bldP spid="11" grpId="0" animBg="1"/>
-      <p:bldP spid="11" grpId="1" animBg="1"/>
-      <p:bldP spid="11" grpId="2" animBg="1"/>
-    </p:bldLst>
-  </p:timing>
-</p:sld>
-</file>
-
-<file path=ppt/slides/slide5.xml><?xml version="1.0" encoding="utf-8"?>
-<p:sld xmlns:a="http://schemas.openxmlformats.org/drawingml/2006/main" xmlns:r="http://schemas.openxmlformats.org/officeDocument/2006/relationships" xmlns:p="http://schemas.openxmlformats.org/presentationml/2006/main">
-  <p:cSld>
-    <p:spTree>
-      <p:nvGrpSpPr>
-        <p:cNvPr id="1" name=""/>
-        <p:cNvGrpSpPr/>
-        <p:nvPr/>
-      </p:nvGrpSpPr>
-      <p:grpSpPr>
-        <a:xfrm>
-          <a:off x="0" y="0"/>
-          <a:ext cx="0" cy="0"/>
-          <a:chOff x="0" y="0"/>
-          <a:chExt cx="0" cy="0"/>
-        </a:xfrm>
-      </p:grpSpPr>
-      <p:sp>
-        <p:nvSpPr>
-          <p:cNvPr id="2" name="제목 1"/>
-          <p:cNvSpPr>
-            <a:spLocks noGrp="1"/>
-          </p:cNvSpPr>
-          <p:nvPr>
-            <p:ph type="title"/>
-          </p:nvPr>
-        </p:nvSpPr>
-        <p:spPr/>
-        <p:txBody>
-          <a:bodyPr>
-            <a:normAutofit/>
-          </a:bodyPr>
-          <a:lstStyle/>
-          <a:p>
-            <a:r>
-              <a:rPr lang="ko-KR" altLang="en-US" sz="3600" dirty="0" smtClean="0"/>
-              <a:t>예시 </a:t>
-            </a:r>
-            <a:r>
-              <a:rPr lang="en-US" altLang="ko-KR" sz="3600" dirty="0"/>
-              <a:t>2</a:t>
-            </a:r>
-            <a:endParaRPr lang="ko-KR" altLang="en-US" sz="3600" dirty="0"/>
-          </a:p>
-        </p:txBody>
-      </p:sp>
-      <p:pic>
-        <p:nvPicPr>
-          <p:cNvPr id="4" name="내용 개체 틀 3"/>
-          <p:cNvPicPr>
-            <a:picLocks noGrp="1" noChangeAspect="1"/>
-          </p:cNvPicPr>
-          <p:nvPr>
-            <p:ph idx="1"/>
-          </p:nvPr>
-        </p:nvPicPr>
-        <p:blipFill>
-          <a:blip r:embed="rId2">
-            <a:extLst>
-              <a:ext uri="{28A0092B-C50C-407E-A947-70E740481C1C}">
-                <a14:useLocalDpi xmlns:a14="http://schemas.microsoft.com/office/drawing/2010/main" val="0"/>
-              </a:ext>
-            </a:extLst>
-          </a:blip>
-          <a:stretch>
-            <a:fillRect/>
-          </a:stretch>
-        </p:blipFill>
-        <p:spPr>
-          <a:xfrm>
-            <a:off x="1630268" y="1690688"/>
-            <a:ext cx="8436924" cy="4745770"/>
-          </a:xfrm>
-        </p:spPr>
-      </p:pic>
-      <p:pic>
-        <p:nvPicPr>
-          <p:cNvPr id="5" name="내용 개체 틀 3"/>
-          <p:cNvPicPr>
-            <a:picLocks noChangeAspect="1"/>
-          </p:cNvPicPr>
-          <p:nvPr/>
-        </p:nvPicPr>
-        <p:blipFill rotWithShape="1">
-          <a:blip r:embed="rId3" cstate="print">
-            <a:extLst>
-              <a:ext uri="{28A0092B-C50C-407E-A947-70E740481C1C}">
-                <a14:useLocalDpi xmlns:a14="http://schemas.microsoft.com/office/drawing/2010/main" val="0"/>
-              </a:ext>
-            </a:extLst>
-          </a:blip>
-          <a:srcRect l="19694" t="181" r="39573" b="94200"/>
-          <a:stretch/>
-        </p:blipFill>
-        <p:spPr>
-          <a:xfrm>
-            <a:off x="5967633" y="1690688"/>
-            <a:ext cx="4099560" cy="298132"/>
-          </a:xfrm>
-          <a:prstGeom prst="rect">
-            <a:avLst/>
-          </a:prstGeom>
-        </p:spPr>
-      </p:pic>
-      <p:sp>
-        <p:nvSpPr>
-          <p:cNvPr id="6" name="직사각형 5"/>
-          <p:cNvSpPr/>
-          <p:nvPr/>
-        </p:nvSpPr>
-        <p:spPr>
-          <a:xfrm>
-            <a:off x="5730240" y="1690688"/>
-            <a:ext cx="2766060" cy="298132"/>
-          </a:xfrm>
-          <a:prstGeom prst="rect">
-            <a:avLst/>
-          </a:prstGeom>
-          <a:solidFill>
-            <a:srgbClr val="444749"/>
-          </a:solidFill>
-          <a:ln>
-            <a:noFill/>
-          </a:ln>
-        </p:spPr>
-        <p:style>
-          <a:lnRef idx="2">
-            <a:schemeClr val="accent1">
-              <a:shade val="50000"/>
-            </a:schemeClr>
-          </a:lnRef>
-          <a:fillRef idx="1">
-            <a:schemeClr val="accent1"/>
-          </a:fillRef>
-          <a:effectRef idx="0">
-            <a:schemeClr val="accent1"/>
-          </a:effectRef>
-          <a:fontRef idx="minor">
-            <a:schemeClr val="lt1"/>
-          </a:fontRef>
-        </p:style>
-        <p:txBody>
-          <a:bodyPr rtlCol="0" anchor="ctr"/>
-          <a:lstStyle/>
-          <a:p>
-            <a:pPr algn="ctr"/>
-            <a:endParaRPr lang="ko-KR" altLang="en-US"/>
-          </a:p>
-        </p:txBody>
-      </p:sp>
-      <p:sp>
-        <p:nvSpPr>
-          <p:cNvPr id="7" name="직사각형 6"/>
-          <p:cNvSpPr/>
-          <p:nvPr/>
-        </p:nvSpPr>
-        <p:spPr>
-          <a:xfrm>
-            <a:off x="6583680" y="1988820"/>
-            <a:ext cx="182880" cy="4206240"/>
-          </a:xfrm>
-          <a:prstGeom prst="rect">
-            <a:avLst/>
-          </a:prstGeom>
-          <a:solidFill>
-            <a:srgbClr val="FFFFFF"/>
-          </a:solidFill>
-          <a:ln>
-            <a:noFill/>
-          </a:ln>
-        </p:spPr>
-        <p:style>
-          <a:lnRef idx="2">
-            <a:schemeClr val="accent1">
-              <a:shade val="50000"/>
-            </a:schemeClr>
-          </a:lnRef>
-          <a:fillRef idx="1">
-            <a:schemeClr val="accent1"/>
-          </a:fillRef>
-          <a:effectRef idx="0">
-            <a:schemeClr val="accent1"/>
-          </a:effectRef>
-          <a:fontRef idx="minor">
-            <a:schemeClr val="lt1"/>
-          </a:fontRef>
-        </p:style>
-        <p:txBody>
-          <a:bodyPr rtlCol="0" anchor="ctr"/>
-          <a:lstStyle/>
-          <a:p>
-            <a:pPr algn="ctr"/>
-            <a:endParaRPr lang="ko-KR" altLang="en-US"/>
-          </a:p>
-        </p:txBody>
-      </p:sp>
-      <p:sp>
-        <p:nvSpPr>
-          <p:cNvPr id="8" name="직사각형 7"/>
-          <p:cNvSpPr/>
-          <p:nvPr/>
-        </p:nvSpPr>
-        <p:spPr>
-          <a:xfrm>
-            <a:off x="6583680" y="1988820"/>
-            <a:ext cx="3371850" cy="434340"/>
-          </a:xfrm>
-          <a:prstGeom prst="rect">
-            <a:avLst/>
-          </a:prstGeom>
-          <a:solidFill>
-            <a:srgbClr val="00B050">
-              <a:alpha val="51000"/>
-            </a:srgbClr>
-          </a:solidFill>
-          <a:ln>
-            <a:noFill/>
-          </a:ln>
-        </p:spPr>
-        <p:style>
-          <a:lnRef idx="2">
-            <a:schemeClr val="accent1">
-              <a:shade val="50000"/>
-            </a:schemeClr>
-          </a:lnRef>
-          <a:fillRef idx="1">
-            <a:schemeClr val="accent1"/>
-          </a:fillRef>
-          <a:effectRef idx="0">
-            <a:schemeClr val="accent1"/>
-          </a:effectRef>
-          <a:fontRef idx="minor">
-            <a:schemeClr val="lt1"/>
-          </a:fontRef>
-        </p:style>
-        <p:txBody>
-          <a:bodyPr rtlCol="0" anchor="ctr"/>
-          <a:lstStyle/>
-          <a:p>
-            <a:pPr algn="ctr"/>
-            <a:r>
-              <a:rPr lang="ko-KR" altLang="en-US" b="1" dirty="0" smtClean="0">
-                <a:ln w="12700">
-                  <a:solidFill>
-                    <a:schemeClr val="accent5"/>
-                  </a:solidFill>
-                  <a:prstDash val="solid"/>
-                </a:ln>
-                <a:pattFill prst="ltDnDiag">
-                  <a:fgClr>
-                    <a:schemeClr val="accent5">
-                      <a:lumMod val="60000"/>
-                      <a:lumOff val="40000"/>
-                    </a:schemeClr>
-                  </a:fgClr>
-                  <a:bgClr>
-                    <a:schemeClr val="bg1"/>
-                  </a:bgClr>
-                </a:pattFill>
-              </a:rPr>
-              <a:t>감지 영역</a:t>
-            </a:r>
-            <a:endParaRPr lang="ko-KR" altLang="en-US" b="1" dirty="0">
-              <a:ln w="12700">
-                <a:solidFill>
-                  <a:schemeClr val="accent5"/>
-                </a:solidFill>
-                <a:prstDash val="solid"/>
-              </a:ln>
-              <a:pattFill prst="ltDnDiag">
-                <a:fgClr>
-                  <a:schemeClr val="accent5">
-                    <a:lumMod val="60000"/>
-                    <a:lumOff val="40000"/>
-                  </a:schemeClr>
-                </a:fgClr>
-                <a:bgClr>
-                  <a:schemeClr val="bg1"/>
-                </a:bgClr>
-              </a:pattFill>
-            </a:endParaRPr>
-          </a:p>
-        </p:txBody>
-      </p:sp>
-      <p:sp>
-        <p:nvSpPr>
-          <p:cNvPr id="10" name="직사각형 9"/>
-          <p:cNvSpPr/>
-          <p:nvPr/>
-        </p:nvSpPr>
-        <p:spPr>
-          <a:xfrm>
-            <a:off x="9955530" y="2095500"/>
-            <a:ext cx="90267" cy="1367790"/>
-          </a:xfrm>
-          <a:prstGeom prst="rect">
-            <a:avLst/>
-          </a:prstGeom>
-          <a:solidFill>
-            <a:srgbClr val="F1F1F1"/>
-          </a:solidFill>
-          <a:ln>
-            <a:noFill/>
-          </a:ln>
-        </p:spPr>
-        <p:style>
-          <a:lnRef idx="2">
-            <a:schemeClr val="accent1">
-              <a:shade val="50000"/>
-            </a:schemeClr>
-          </a:lnRef>
-          <a:fillRef idx="1">
-            <a:schemeClr val="accent1"/>
-          </a:fillRef>
-          <a:effectRef idx="0">
-            <a:schemeClr val="accent1"/>
-          </a:effectRef>
-          <a:fontRef idx="minor">
-            <a:schemeClr val="lt1"/>
-          </a:fontRef>
-        </p:style>
-        <p:txBody>
-          <a:bodyPr rtlCol="0" anchor="ctr"/>
-          <a:lstStyle/>
-          <a:p>
-            <a:pPr algn="ctr"/>
-            <a:endParaRPr lang="ko-KR" altLang="en-US"/>
-          </a:p>
-        </p:txBody>
-      </p:sp>
-      <p:sp>
-        <p:nvSpPr>
-          <p:cNvPr id="11" name="직사각형 10"/>
-          <p:cNvSpPr/>
-          <p:nvPr/>
-        </p:nvSpPr>
-        <p:spPr>
-          <a:xfrm flipH="1">
-            <a:off x="9970770" y="2141904"/>
-            <a:ext cx="72826" cy="1172479"/>
-          </a:xfrm>
-          <a:prstGeom prst="rect">
-            <a:avLst/>
-          </a:prstGeom>
-          <a:solidFill>
-            <a:schemeClr val="bg2">
-              <a:lumMod val="75000"/>
-            </a:schemeClr>
-          </a:solidFill>
-          <a:ln>
-            <a:noFill/>
-          </a:ln>
-        </p:spPr>
-        <p:style>
-          <a:lnRef idx="2">
-            <a:schemeClr val="accent1">
-              <a:shade val="50000"/>
-            </a:schemeClr>
-          </a:lnRef>
-          <a:fillRef idx="1">
-            <a:schemeClr val="accent1"/>
-          </a:fillRef>
-          <a:effectRef idx="0">
-            <a:schemeClr val="accent1"/>
-          </a:effectRef>
-          <a:fontRef idx="minor">
-            <a:schemeClr val="lt1"/>
-          </a:fontRef>
-        </p:style>
-        <p:txBody>
-          <a:bodyPr rtlCol="0" anchor="ctr"/>
-          <a:lstStyle/>
-          <a:p>
-            <a:pPr algn="ctr"/>
-            <a:endParaRPr lang="ko-KR" altLang="en-US" dirty="0"/>
-          </a:p>
-        </p:txBody>
-      </p:sp>
-    </p:spTree>
-    <p:extLst>
-      <p:ext uri="{BB962C8B-B14F-4D97-AF65-F5344CB8AC3E}">
-        <p14:creationId xmlns:p14="http://schemas.microsoft.com/office/powerpoint/2010/main" val="558590150"/>
       </p:ext>
     </p:extLst>
   </p:cSld>
@@ -5150,6 +4975,623 @@
         <p:spPr>
           <a:xfrm>
             <a:off x="1630268" y="1690688"/>
+            <a:ext cx="8436924" cy="4745770"/>
+          </a:xfrm>
+        </p:spPr>
+      </p:pic>
+      <p:pic>
+        <p:nvPicPr>
+          <p:cNvPr id="5" name="내용 개체 틀 3"/>
+          <p:cNvPicPr>
+            <a:picLocks noChangeAspect="1"/>
+          </p:cNvPicPr>
+          <p:nvPr/>
+        </p:nvPicPr>
+        <p:blipFill rotWithShape="1">
+          <a:blip r:embed="rId3" cstate="print">
+            <a:extLst>
+              <a:ext uri="{28A0092B-C50C-407E-A947-70E740481C1C}">
+                <a14:useLocalDpi xmlns:a14="http://schemas.microsoft.com/office/drawing/2010/main" val="0"/>
+              </a:ext>
+            </a:extLst>
+          </a:blip>
+          <a:srcRect l="19694" t="181" r="39573" b="94200"/>
+          <a:stretch/>
+        </p:blipFill>
+        <p:spPr>
+          <a:xfrm>
+            <a:off x="5967633" y="1690688"/>
+            <a:ext cx="4099560" cy="298132"/>
+          </a:xfrm>
+          <a:prstGeom prst="rect">
+            <a:avLst/>
+          </a:prstGeom>
+        </p:spPr>
+      </p:pic>
+      <p:sp>
+        <p:nvSpPr>
+          <p:cNvPr id="6" name="직사각형 5"/>
+          <p:cNvSpPr/>
+          <p:nvPr/>
+        </p:nvSpPr>
+        <p:spPr>
+          <a:xfrm>
+            <a:off x="5730240" y="1690688"/>
+            <a:ext cx="2766060" cy="298132"/>
+          </a:xfrm>
+          <a:prstGeom prst="rect">
+            <a:avLst/>
+          </a:prstGeom>
+          <a:solidFill>
+            <a:srgbClr val="444749"/>
+          </a:solidFill>
+          <a:ln>
+            <a:noFill/>
+          </a:ln>
+        </p:spPr>
+        <p:style>
+          <a:lnRef idx="2">
+            <a:schemeClr val="accent1">
+              <a:shade val="50000"/>
+            </a:schemeClr>
+          </a:lnRef>
+          <a:fillRef idx="1">
+            <a:schemeClr val="accent1"/>
+          </a:fillRef>
+          <a:effectRef idx="0">
+            <a:schemeClr val="accent1"/>
+          </a:effectRef>
+          <a:fontRef idx="minor">
+            <a:schemeClr val="lt1"/>
+          </a:fontRef>
+        </p:style>
+        <p:txBody>
+          <a:bodyPr rtlCol="0" anchor="ctr"/>
+          <a:lstStyle/>
+          <a:p>
+            <a:pPr algn="ctr"/>
+            <a:endParaRPr lang="ko-KR" altLang="en-US"/>
+          </a:p>
+        </p:txBody>
+      </p:sp>
+      <p:sp>
+        <p:nvSpPr>
+          <p:cNvPr id="7" name="직사각형 6"/>
+          <p:cNvSpPr/>
+          <p:nvPr/>
+        </p:nvSpPr>
+        <p:spPr>
+          <a:xfrm>
+            <a:off x="6583680" y="1988820"/>
+            <a:ext cx="182880" cy="4206240"/>
+          </a:xfrm>
+          <a:prstGeom prst="rect">
+            <a:avLst/>
+          </a:prstGeom>
+          <a:solidFill>
+            <a:srgbClr val="FFFFFF"/>
+          </a:solidFill>
+          <a:ln>
+            <a:noFill/>
+          </a:ln>
+        </p:spPr>
+        <p:style>
+          <a:lnRef idx="2">
+            <a:schemeClr val="accent1">
+              <a:shade val="50000"/>
+            </a:schemeClr>
+          </a:lnRef>
+          <a:fillRef idx="1">
+            <a:schemeClr val="accent1"/>
+          </a:fillRef>
+          <a:effectRef idx="0">
+            <a:schemeClr val="accent1"/>
+          </a:effectRef>
+          <a:fontRef idx="minor">
+            <a:schemeClr val="lt1"/>
+          </a:fontRef>
+        </p:style>
+        <p:txBody>
+          <a:bodyPr rtlCol="0" anchor="ctr"/>
+          <a:lstStyle/>
+          <a:p>
+            <a:pPr algn="ctr"/>
+            <a:endParaRPr lang="ko-KR" altLang="en-US"/>
+          </a:p>
+        </p:txBody>
+      </p:sp>
+      <p:sp>
+        <p:nvSpPr>
+          <p:cNvPr id="8" name="직사각형 7"/>
+          <p:cNvSpPr/>
+          <p:nvPr/>
+        </p:nvSpPr>
+        <p:spPr>
+          <a:xfrm>
+            <a:off x="6583680" y="1988820"/>
+            <a:ext cx="3371850" cy="434340"/>
+          </a:xfrm>
+          <a:prstGeom prst="rect">
+            <a:avLst/>
+          </a:prstGeom>
+          <a:solidFill>
+            <a:srgbClr val="00B050">
+              <a:alpha val="51000"/>
+            </a:srgbClr>
+          </a:solidFill>
+          <a:ln>
+            <a:noFill/>
+          </a:ln>
+        </p:spPr>
+        <p:style>
+          <a:lnRef idx="2">
+            <a:schemeClr val="accent1">
+              <a:shade val="50000"/>
+            </a:schemeClr>
+          </a:lnRef>
+          <a:fillRef idx="1">
+            <a:schemeClr val="accent1"/>
+          </a:fillRef>
+          <a:effectRef idx="0">
+            <a:schemeClr val="accent1"/>
+          </a:effectRef>
+          <a:fontRef idx="minor">
+            <a:schemeClr val="lt1"/>
+          </a:fontRef>
+        </p:style>
+        <p:txBody>
+          <a:bodyPr rtlCol="0" anchor="ctr"/>
+          <a:lstStyle/>
+          <a:p>
+            <a:pPr algn="ctr"/>
+            <a:r>
+              <a:rPr lang="ko-KR" altLang="en-US" b="1" dirty="0" smtClean="0">
+                <a:ln w="12700">
+                  <a:solidFill>
+                    <a:schemeClr val="accent5"/>
+                  </a:solidFill>
+                  <a:prstDash val="solid"/>
+                </a:ln>
+                <a:pattFill prst="ltDnDiag">
+                  <a:fgClr>
+                    <a:schemeClr val="accent5">
+                      <a:lumMod val="60000"/>
+                      <a:lumOff val="40000"/>
+                    </a:schemeClr>
+                  </a:fgClr>
+                  <a:bgClr>
+                    <a:schemeClr val="bg1"/>
+                  </a:bgClr>
+                </a:pattFill>
+              </a:rPr>
+              <a:t>감지 영역</a:t>
+            </a:r>
+            <a:endParaRPr lang="ko-KR" altLang="en-US" b="1" dirty="0">
+              <a:ln w="12700">
+                <a:solidFill>
+                  <a:schemeClr val="accent5"/>
+                </a:solidFill>
+                <a:prstDash val="solid"/>
+              </a:ln>
+              <a:pattFill prst="ltDnDiag">
+                <a:fgClr>
+                  <a:schemeClr val="accent5">
+                    <a:lumMod val="60000"/>
+                    <a:lumOff val="40000"/>
+                  </a:schemeClr>
+                </a:fgClr>
+                <a:bgClr>
+                  <a:schemeClr val="bg1"/>
+                </a:bgClr>
+              </a:pattFill>
+            </a:endParaRPr>
+          </a:p>
+        </p:txBody>
+      </p:sp>
+      <p:sp>
+        <p:nvSpPr>
+          <p:cNvPr id="10" name="직사각형 9"/>
+          <p:cNvSpPr/>
+          <p:nvPr/>
+        </p:nvSpPr>
+        <p:spPr>
+          <a:xfrm>
+            <a:off x="9955530" y="2095500"/>
+            <a:ext cx="90267" cy="1367790"/>
+          </a:xfrm>
+          <a:prstGeom prst="rect">
+            <a:avLst/>
+          </a:prstGeom>
+          <a:solidFill>
+            <a:srgbClr val="F1F1F1"/>
+          </a:solidFill>
+          <a:ln>
+            <a:noFill/>
+          </a:ln>
+        </p:spPr>
+        <p:style>
+          <a:lnRef idx="2">
+            <a:schemeClr val="accent1">
+              <a:shade val="50000"/>
+            </a:schemeClr>
+          </a:lnRef>
+          <a:fillRef idx="1">
+            <a:schemeClr val="accent1"/>
+          </a:fillRef>
+          <a:effectRef idx="0">
+            <a:schemeClr val="accent1"/>
+          </a:effectRef>
+          <a:fontRef idx="minor">
+            <a:schemeClr val="lt1"/>
+          </a:fontRef>
+        </p:style>
+        <p:txBody>
+          <a:bodyPr rtlCol="0" anchor="ctr"/>
+          <a:lstStyle/>
+          <a:p>
+            <a:pPr algn="ctr"/>
+            <a:endParaRPr lang="ko-KR" altLang="en-US"/>
+          </a:p>
+        </p:txBody>
+      </p:sp>
+      <p:sp>
+        <p:nvSpPr>
+          <p:cNvPr id="11" name="직사각형 10"/>
+          <p:cNvSpPr/>
+          <p:nvPr/>
+        </p:nvSpPr>
+        <p:spPr>
+          <a:xfrm flipH="1">
+            <a:off x="9970770" y="2141904"/>
+            <a:ext cx="72826" cy="1172479"/>
+          </a:xfrm>
+          <a:prstGeom prst="rect">
+            <a:avLst/>
+          </a:prstGeom>
+          <a:solidFill>
+            <a:schemeClr val="bg2">
+              <a:lumMod val="75000"/>
+            </a:schemeClr>
+          </a:solidFill>
+          <a:ln>
+            <a:noFill/>
+          </a:ln>
+        </p:spPr>
+        <p:style>
+          <a:lnRef idx="2">
+            <a:schemeClr val="accent1">
+              <a:shade val="50000"/>
+            </a:schemeClr>
+          </a:lnRef>
+          <a:fillRef idx="1">
+            <a:schemeClr val="accent1"/>
+          </a:fillRef>
+          <a:effectRef idx="0">
+            <a:schemeClr val="accent1"/>
+          </a:effectRef>
+          <a:fontRef idx="minor">
+            <a:schemeClr val="lt1"/>
+          </a:fontRef>
+        </p:style>
+        <p:txBody>
+          <a:bodyPr rtlCol="0" anchor="ctr"/>
+          <a:lstStyle/>
+          <a:p>
+            <a:pPr algn="ctr"/>
+            <a:endParaRPr lang="ko-KR" altLang="en-US" dirty="0"/>
+          </a:p>
+        </p:txBody>
+      </p:sp>
+    </p:spTree>
+    <p:extLst>
+      <p:ext uri="{BB962C8B-B14F-4D97-AF65-F5344CB8AC3E}">
+        <p14:creationId xmlns:p14="http://schemas.microsoft.com/office/powerpoint/2010/main" val="558590150"/>
+      </p:ext>
+    </p:extLst>
+  </p:cSld>
+  <p:clrMapOvr>
+    <a:masterClrMapping/>
+  </p:clrMapOvr>
+  <p:timing>
+    <p:tnLst>
+      <p:par>
+        <p:cTn id="1" dur="indefinite" restart="never" nodeType="tmRoot">
+          <p:childTnLst>
+            <p:seq concurrent="1" nextAc="seek">
+              <p:cTn id="2" dur="indefinite" nodeType="mainSeq">
+                <p:childTnLst>
+                  <p:par>
+                    <p:cTn id="3" fill="hold">
+                      <p:stCondLst>
+                        <p:cond delay="indefinite"/>
+                        <p:cond evt="onBegin" delay="0">
+                          <p:tn val="2"/>
+                        </p:cond>
+                      </p:stCondLst>
+                      <p:childTnLst>
+                        <p:par>
+                          <p:cTn id="4" fill="hold">
+                            <p:stCondLst>
+                              <p:cond delay="0"/>
+                            </p:stCondLst>
+                            <p:childTnLst>
+                              <p:par>
+                                <p:cTn id="5" presetID="24" presetClass="emph" presetSubtype="0" fill="hold" grpId="0" nodeType="afterEffect">
+                                  <p:stCondLst>
+                                    <p:cond delay="0"/>
+                                  </p:stCondLst>
+                                  <p:childTnLst>
+                                    <p:animClr clrSpc="hsl" dir="cw">
+                                      <p:cBhvr override="childStyle">
+                                        <p:cTn id="6" dur="500" fill="hold"/>
+                                        <p:tgtEl>
+                                          <p:spTgt spid="11"/>
+                                        </p:tgtEl>
+                                        <p:attrNameLst>
+                                          <p:attrName>style.color</p:attrName>
+                                        </p:attrNameLst>
+                                      </p:cBhvr>
+                                      <p:by>
+                                        <p:hsl h="0" s="-12549" l="-25098"/>
+                                      </p:by>
+                                    </p:animClr>
+                                    <p:animClr clrSpc="hsl" dir="cw">
+                                      <p:cBhvr>
+                                        <p:cTn id="7" dur="500" fill="hold"/>
+                                        <p:tgtEl>
+                                          <p:spTgt spid="11"/>
+                                        </p:tgtEl>
+                                        <p:attrNameLst>
+                                          <p:attrName>fillcolor</p:attrName>
+                                        </p:attrNameLst>
+                                      </p:cBhvr>
+                                      <p:by>
+                                        <p:hsl h="0" s="-12549" l="-25098"/>
+                                      </p:by>
+                                    </p:animClr>
+                                    <p:animClr clrSpc="hsl" dir="cw">
+                                      <p:cBhvr>
+                                        <p:cTn id="8" dur="500" fill="hold"/>
+                                        <p:tgtEl>
+                                          <p:spTgt spid="11"/>
+                                        </p:tgtEl>
+                                        <p:attrNameLst>
+                                          <p:attrName>stroke.color</p:attrName>
+                                        </p:attrNameLst>
+                                      </p:cBhvr>
+                                      <p:by>
+                                        <p:hsl h="0" s="-12549" l="-25098"/>
+                                      </p:by>
+                                    </p:animClr>
+                                    <p:set>
+                                      <p:cBhvr>
+                                        <p:cTn id="9" dur="500" fill="hold"/>
+                                        <p:tgtEl>
+                                          <p:spTgt spid="11"/>
+                                        </p:tgtEl>
+                                        <p:attrNameLst>
+                                          <p:attrName>fill.type</p:attrName>
+                                        </p:attrNameLst>
+                                      </p:cBhvr>
+                                      <p:to>
+                                        <p:strVal val="solid"/>
+                                      </p:to>
+                                    </p:set>
+                                  </p:childTnLst>
+                                </p:cTn>
+                              </p:par>
+                            </p:childTnLst>
+                          </p:cTn>
+                        </p:par>
+                        <p:par>
+                          <p:cTn id="10" fill="hold">
+                            <p:stCondLst>
+                              <p:cond delay="500"/>
+                            </p:stCondLst>
+                            <p:childTnLst>
+                              <p:par>
+                                <p:cTn id="11" presetID="42" presetClass="path" presetSubtype="0" accel="50000" decel="50000" fill="hold" grpId="1" nodeType="afterEffect">
+                                  <p:stCondLst>
+                                    <p:cond delay="0"/>
+                                  </p:stCondLst>
+                                  <p:childTnLst>
+                                    <p:animMotion origin="layout" path="M -3.33333E-6 4.81481E-6 L -3.33333E-6 0.17893 " pathEditMode="relative" rAng="0" ptsTypes="AA">
+                                      <p:cBhvr>
+                                        <p:cTn id="12" dur="1000" fill="hold"/>
+                                        <p:tgtEl>
+                                          <p:spTgt spid="11"/>
+                                        </p:tgtEl>
+                                        <p:attrNameLst>
+                                          <p:attrName>ppt_x</p:attrName>
+                                          <p:attrName>ppt_y</p:attrName>
+                                        </p:attrNameLst>
+                                      </p:cBhvr>
+                                      <p:rCtr x="0" y="8935"/>
+                                    </p:animMotion>
+                                  </p:childTnLst>
+                                </p:cTn>
+                              </p:par>
+                            </p:childTnLst>
+                          </p:cTn>
+                        </p:par>
+                        <p:par>
+                          <p:cTn id="13" fill="hold">
+                            <p:stCondLst>
+                              <p:cond delay="1500"/>
+                            </p:stCondLst>
+                            <p:childTnLst>
+                              <p:par>
+                                <p:cTn id="14" presetID="30" presetClass="emph" presetSubtype="0" fill="hold" grpId="2" nodeType="afterEffect">
+                                  <p:stCondLst>
+                                    <p:cond delay="0"/>
+                                  </p:stCondLst>
+                                  <p:childTnLst>
+                                    <p:animClr clrSpc="hsl" dir="cw">
+                                      <p:cBhvr override="childStyle">
+                                        <p:cTn id="15" dur="500" fill="hold"/>
+                                        <p:tgtEl>
+                                          <p:spTgt spid="11"/>
+                                        </p:tgtEl>
+                                        <p:attrNameLst>
+                                          <p:attrName>style.color</p:attrName>
+                                        </p:attrNameLst>
+                                      </p:cBhvr>
+                                      <p:by>
+                                        <p:hsl h="0" s="12549" l="25098"/>
+                                      </p:by>
+                                    </p:animClr>
+                                    <p:animClr clrSpc="hsl" dir="cw">
+                                      <p:cBhvr>
+                                        <p:cTn id="16" dur="500" fill="hold"/>
+                                        <p:tgtEl>
+                                          <p:spTgt spid="11"/>
+                                        </p:tgtEl>
+                                        <p:attrNameLst>
+                                          <p:attrName>fillcolor</p:attrName>
+                                        </p:attrNameLst>
+                                      </p:cBhvr>
+                                      <p:by>
+                                        <p:hsl h="0" s="12549" l="25098"/>
+                                      </p:by>
+                                    </p:animClr>
+                                    <p:animClr clrSpc="hsl" dir="cw">
+                                      <p:cBhvr>
+                                        <p:cTn id="17" dur="500" fill="hold"/>
+                                        <p:tgtEl>
+                                          <p:spTgt spid="11"/>
+                                        </p:tgtEl>
+                                        <p:attrNameLst>
+                                          <p:attrName>stroke.color</p:attrName>
+                                        </p:attrNameLst>
+                                      </p:cBhvr>
+                                      <p:by>
+                                        <p:hsl h="0" s="12549" l="25098"/>
+                                      </p:by>
+                                    </p:animClr>
+                                    <p:set>
+                                      <p:cBhvr>
+                                        <p:cTn id="18" dur="500" fill="hold"/>
+                                        <p:tgtEl>
+                                          <p:spTgt spid="11"/>
+                                        </p:tgtEl>
+                                        <p:attrNameLst>
+                                          <p:attrName>fill.type</p:attrName>
+                                        </p:attrNameLst>
+                                      </p:cBhvr>
+                                      <p:to>
+                                        <p:strVal val="solid"/>
+                                      </p:to>
+                                    </p:set>
+                                  </p:childTnLst>
+                                </p:cTn>
+                              </p:par>
+                            </p:childTnLst>
+                          </p:cTn>
+                        </p:par>
+                      </p:childTnLst>
+                    </p:cTn>
+                  </p:par>
+                </p:childTnLst>
+              </p:cTn>
+              <p:prevCondLst>
+                <p:cond evt="onPrev" delay="0">
+                  <p:tgtEl>
+                    <p:sldTgt/>
+                  </p:tgtEl>
+                </p:cond>
+              </p:prevCondLst>
+              <p:nextCondLst>
+                <p:cond evt="onNext" delay="0">
+                  <p:tgtEl>
+                    <p:sldTgt/>
+                  </p:tgtEl>
+                </p:cond>
+              </p:nextCondLst>
+            </p:seq>
+          </p:childTnLst>
+        </p:cTn>
+      </p:par>
+    </p:tnLst>
+    <p:bldLst>
+      <p:bldP spid="11" grpId="0" animBg="1"/>
+      <p:bldP spid="11" grpId="1" animBg="1"/>
+      <p:bldP spid="11" grpId="2" animBg="1"/>
+    </p:bldLst>
+  </p:timing>
+</p:sld>
+</file>
+
+<file path=ppt/slides/slide7.xml><?xml version="1.0" encoding="utf-8"?>
+<p:sld xmlns:a="http://schemas.openxmlformats.org/drawingml/2006/main" xmlns:r="http://schemas.openxmlformats.org/officeDocument/2006/relationships" xmlns:p="http://schemas.openxmlformats.org/presentationml/2006/main">
+  <p:cSld>
+    <p:spTree>
+      <p:nvGrpSpPr>
+        <p:cNvPr id="1" name=""/>
+        <p:cNvGrpSpPr/>
+        <p:nvPr/>
+      </p:nvGrpSpPr>
+      <p:grpSpPr>
+        <a:xfrm>
+          <a:off x="0" y="0"/>
+          <a:ext cx="0" cy="0"/>
+          <a:chOff x="0" y="0"/>
+          <a:chExt cx="0" cy="0"/>
+        </a:xfrm>
+      </p:grpSpPr>
+      <p:sp>
+        <p:nvSpPr>
+          <p:cNvPr id="2" name="제목 1"/>
+          <p:cNvSpPr>
+            <a:spLocks noGrp="1"/>
+          </p:cNvSpPr>
+          <p:nvPr>
+            <p:ph type="title"/>
+          </p:nvPr>
+        </p:nvSpPr>
+        <p:spPr/>
+        <p:txBody>
+          <a:bodyPr>
+            <a:normAutofit/>
+          </a:bodyPr>
+          <a:lstStyle/>
+          <a:p>
+            <a:r>
+              <a:rPr lang="ko-KR" altLang="en-US" sz="3600" dirty="0" smtClean="0"/>
+              <a:t>예시 </a:t>
+            </a:r>
+            <a:r>
+              <a:rPr lang="en-US" altLang="ko-KR" sz="3600" dirty="0"/>
+              <a:t>2</a:t>
+            </a:r>
+            <a:endParaRPr lang="ko-KR" altLang="en-US" sz="3600" dirty="0"/>
+          </a:p>
+        </p:txBody>
+      </p:sp>
+      <p:pic>
+        <p:nvPicPr>
+          <p:cNvPr id="4" name="내용 개체 틀 3"/>
+          <p:cNvPicPr>
+            <a:picLocks noGrp="1" noChangeAspect="1"/>
+          </p:cNvPicPr>
+          <p:nvPr>
+            <p:ph idx="1"/>
+          </p:nvPr>
+        </p:nvPicPr>
+        <p:blipFill>
+          <a:blip r:embed="rId2">
+            <a:extLst>
+              <a:ext uri="{28A0092B-C50C-407E-A947-70E740481C1C}">
+                <a14:useLocalDpi xmlns:a14="http://schemas.microsoft.com/office/drawing/2010/main" val="0"/>
+              </a:ext>
+            </a:extLst>
+          </a:blip>
+          <a:stretch>
+            <a:fillRect/>
+          </a:stretch>
+        </p:blipFill>
+        <p:spPr>
+          <a:xfrm>
+            <a:off x="1630268" y="1690688"/>
             <a:ext cx="8436924" cy="4745769"/>
           </a:xfrm>
         </p:spPr>
@@ -5696,7 +6138,7 @@
 </p:sld>
 </file>
 
-<file path=ppt/slides/slide7.xml><?xml version="1.0" encoding="utf-8"?>
+<file path=ppt/slides/slide8.xml><?xml version="1.0" encoding="utf-8"?>
 <p:sld xmlns:a="http://schemas.openxmlformats.org/drawingml/2006/main" xmlns:r="http://schemas.openxmlformats.org/officeDocument/2006/relationships" xmlns:p="http://schemas.openxmlformats.org/presentationml/2006/main">
   <p:cSld>
     <p:spTree>

--- a/for_win/Codination for window.pptx
+++ b/for_win/Codination for window.pptx
@@ -3425,7 +3425,7 @@
             <a:avLst/>
           </a:prstGeom>
           <a:solidFill>
-            <a:srgbClr val="00B050">
+            <a:srgbClr val="00B0F0">
               <a:alpha val="30000"/>
             </a:srgbClr>
           </a:solidFill>
@@ -3477,7 +3477,7 @@
             <a:avLst/>
           </a:prstGeom>
           <a:solidFill>
-            <a:srgbClr val="00B050">
+            <a:srgbClr val="00B0F0">
               <a:alpha val="30000"/>
             </a:srgbClr>
           </a:solidFill>
